--- a/Team 6 Data Jobs.pptx
+++ b/Team 6 Data Jobs.pptx
@@ -7,12 +7,12 @@
   <p:sldIdLst>
     <p:sldId id="256" r:id="rId2"/>
     <p:sldId id="263" r:id="rId3"/>
-    <p:sldId id="268" r:id="rId4"/>
-    <p:sldId id="267" r:id="rId5"/>
-    <p:sldId id="271" r:id="rId6"/>
-    <p:sldId id="273" r:id="rId7"/>
-    <p:sldId id="269" r:id="rId8"/>
-    <p:sldId id="274" r:id="rId9"/>
+    <p:sldId id="278" r:id="rId4"/>
+    <p:sldId id="268" r:id="rId5"/>
+    <p:sldId id="267" r:id="rId6"/>
+    <p:sldId id="271" r:id="rId7"/>
+    <p:sldId id="273" r:id="rId8"/>
+    <p:sldId id="269" r:id="rId9"/>
     <p:sldId id="276" r:id="rId10"/>
   </p:sldIdLst>
   <p:sldSz cx="12192000" cy="6858000"/>
@@ -621,7 +621,7 @@
           <a:p>
             <a:fld id="{48A87A34-81AB-432B-8DAE-1953F412C126}" type="datetimeFigureOut">
               <a:rPr lang="en-US" smtClean="0"/>
-              <a:t>12/3/18</a:t>
+              <a:t>12/4/18</a:t>
             </a:fld>
             <a:endParaRPr lang="en-US" dirty="0"/>
           </a:p>
@@ -799,7 +799,7 @@
             <a:fld id="{48A87A34-81AB-432B-8DAE-1953F412C126}" type="datetimeFigureOut">
               <a:rPr lang="en-US" smtClean="0"/>
               <a:pPr/>
-              <a:t>12/3/18</a:t>
+              <a:t>12/4/18</a:t>
             </a:fld>
             <a:endParaRPr lang="en-US" dirty="0"/>
           </a:p>
@@ -981,7 +981,7 @@
             <a:fld id="{48A87A34-81AB-432B-8DAE-1953F412C126}" type="datetimeFigureOut">
               <a:rPr lang="en-US" smtClean="0"/>
               <a:pPr/>
-              <a:t>12/3/18</a:t>
+              <a:t>12/4/18</a:t>
             </a:fld>
             <a:endParaRPr lang="en-US" dirty="0"/>
           </a:p>
@@ -1158,7 +1158,7 @@
             <a:fld id="{48A87A34-81AB-432B-8DAE-1953F412C126}" type="datetimeFigureOut">
               <a:rPr lang="en-US" smtClean="0"/>
               <a:pPr/>
-              <a:t>12/3/18</a:t>
+              <a:t>12/4/18</a:t>
             </a:fld>
             <a:endParaRPr lang="en-US" dirty="0"/>
           </a:p>
@@ -1330,7 +1330,7 @@
             <a:fld id="{48A87A34-81AB-432B-8DAE-1953F412C126}" type="datetimeFigureOut">
               <a:rPr lang="en-US" smtClean="0"/>
               <a:pPr/>
-              <a:t>12/3/18</a:t>
+              <a:t>12/4/18</a:t>
             </a:fld>
             <a:endParaRPr lang="en-US" dirty="0"/>
           </a:p>
@@ -1652,7 +1652,7 @@
           <a:p>
             <a:fld id="{48A87A34-81AB-432B-8DAE-1953F412C126}" type="datetimeFigureOut">
               <a:rPr lang="en-US" smtClean="0"/>
-              <a:t>12/3/18</a:t>
+              <a:t>12/4/18</a:t>
             </a:fld>
             <a:endParaRPr lang="en-US" dirty="0"/>
           </a:p>
@@ -2113,7 +2113,7 @@
             <a:fld id="{48A87A34-81AB-432B-8DAE-1953F412C126}" type="datetimeFigureOut">
               <a:rPr lang="en-US" smtClean="0"/>
               <a:pPr/>
-              <a:t>12/3/18</a:t>
+              <a:t>12/4/18</a:t>
             </a:fld>
             <a:endParaRPr lang="en-US" dirty="0"/>
           </a:p>
@@ -2526,7 +2526,7 @@
             <a:fld id="{48A87A34-81AB-432B-8DAE-1953F412C126}" type="datetimeFigureOut">
               <a:rPr lang="en-US" smtClean="0"/>
               <a:pPr/>
-              <a:t>12/3/18</a:t>
+              <a:t>12/4/18</a:t>
             </a:fld>
             <a:endParaRPr lang="en-US" dirty="0"/>
           </a:p>
@@ -2645,7 +2645,7 @@
           <a:p>
             <a:fld id="{48A87A34-81AB-432B-8DAE-1953F412C126}" type="datetimeFigureOut">
               <a:rPr lang="en-US" smtClean="0"/>
-              <a:t>12/3/18</a:t>
+              <a:t>12/4/18</a:t>
             </a:fld>
             <a:endParaRPr lang="en-US" dirty="0"/>
           </a:p>
@@ -2762,7 +2762,7 @@
           <a:p>
             <a:fld id="{48A87A34-81AB-432B-8DAE-1953F412C126}" type="datetimeFigureOut">
               <a:rPr lang="en-US" smtClean="0"/>
-              <a:t>12/3/18</a:t>
+              <a:t>12/4/18</a:t>
             </a:fld>
             <a:endParaRPr lang="en-US" dirty="0"/>
           </a:p>
@@ -3121,7 +3121,7 @@
             <a:fld id="{48A87A34-81AB-432B-8DAE-1953F412C126}" type="datetimeFigureOut">
               <a:rPr lang="en-US" smtClean="0"/>
               <a:pPr/>
-              <a:t>12/3/18</a:t>
+              <a:t>12/4/18</a:t>
             </a:fld>
             <a:endParaRPr lang="en-US" dirty="0"/>
           </a:p>
@@ -3629,7 +3629,7 @@
           <a:p>
             <a:fld id="{48A87A34-81AB-432B-8DAE-1953F412C126}" type="datetimeFigureOut">
               <a:rPr lang="en-US" smtClean="0"/>
-              <a:t>12/3/18</a:t>
+              <a:t>12/4/18</a:t>
             </a:fld>
             <a:endParaRPr lang="en-US" dirty="0"/>
           </a:p>
@@ -3988,7 +3988,7 @@
             <a:fld id="{48A87A34-81AB-432B-8DAE-1953F412C126}" type="datetimeFigureOut">
               <a:rPr lang="en-US" smtClean="0"/>
               <a:pPr/>
-              <a:t>12/3/18</a:t>
+              <a:t>12/4/18</a:t>
             </a:fld>
             <a:endParaRPr lang="en-US" dirty="0"/>
           </a:p>
@@ -4663,19 +4663,19 @@
         </p:nvSpPr>
         <p:spPr>
           <a:xfrm>
-            <a:off x="1084006" y="1086143"/>
+            <a:off x="994796" y="1521040"/>
             <a:ext cx="9969910" cy="2422466"/>
           </a:xfrm>
         </p:spPr>
         <p:txBody>
           <a:bodyPr anchor="b">
-            <a:normAutofit/>
+            <a:normAutofit fontScale="90000"/>
           </a:bodyPr>
           <a:lstStyle/>
           <a:p>
             <a:r>
               <a:rPr lang="en-US" dirty="0"/>
-              <a:t>Data Analytics Jobs </a:t>
+              <a:t>Data Analytics Jobs Portal </a:t>
             </a:r>
           </a:p>
         </p:txBody>
@@ -4698,8 +4698,8 @@
         </p:nvSpPr>
         <p:spPr>
           <a:xfrm>
-            <a:off x="752858" y="5515897"/>
-            <a:ext cx="10674117" cy="715221"/>
+            <a:off x="994796" y="4521377"/>
+            <a:ext cx="7081024" cy="2080143"/>
           </a:xfrm>
         </p:spPr>
         <p:txBody>
@@ -4709,85 +4709,58 @@
           <a:lstStyle/>
           <a:p>
             <a:r>
-              <a:rPr lang="en-US" sz="3300" dirty="0">
+              <a:rPr lang="en-US" sz="8000" b="1" dirty="0">
+                <a:latin typeface="+mj-lt"/>
                 <a:cs typeface="Calibri" panose="020F0502020204030204" pitchFamily="34" charset="0"/>
               </a:rPr>
-              <a:t>Team: </a:t>
-            </a:r>
-            <a:r>
-              <a:rPr lang="en-US" sz="3300" dirty="0" err="1">
+              <a:t>Team 6</a:t>
+            </a:r>
+          </a:p>
+          <a:p>
+            <a:r>
+              <a:rPr lang="en-US" sz="6400" dirty="0" err="1">
+                <a:latin typeface="+mj-lt"/>
                 <a:cs typeface="Calibri" panose="020F0502020204030204" pitchFamily="34" charset="0"/>
               </a:rPr>
               <a:t>Dristhi</a:t>
             </a:r>
             <a:r>
-              <a:rPr lang="en-US" sz="3300" dirty="0">
+              <a:rPr lang="en-US" sz="6400" dirty="0">
+                <a:latin typeface="+mj-lt"/>
                 <a:cs typeface="Calibri" panose="020F0502020204030204" pitchFamily="34" charset="0"/>
               </a:rPr>
               <a:t> Yadav, Mark Levine, Richa Singh, </a:t>
             </a:r>
             <a:r>
-              <a:rPr lang="en-US" sz="3300" dirty="0" err="1">
+              <a:rPr lang="en-US" sz="6400" dirty="0" err="1">
+                <a:latin typeface="+mj-lt"/>
                 <a:cs typeface="Calibri" panose="020F0502020204030204" pitchFamily="34" charset="0"/>
               </a:rPr>
               <a:t>Sicong</a:t>
             </a:r>
             <a:r>
-              <a:rPr lang="en-US" sz="3300" dirty="0">
+              <a:rPr lang="en-US" sz="6400" dirty="0">
+                <a:latin typeface="+mj-lt"/>
                 <a:cs typeface="Calibri" panose="020F0502020204030204" pitchFamily="34" charset="0"/>
               </a:rPr>
               <a:t> Wang </a:t>
             </a:r>
           </a:p>
           <a:p>
+            <a:pPr algn="ctr"/>
             <a:br>
               <a:rPr lang="en-US" sz="2400" dirty="0">
+                <a:latin typeface="+mj-lt"/>
                 <a:cs typeface="Calibri" panose="020F0502020204030204" pitchFamily="34" charset="0"/>
               </a:rPr>
             </a:br>
-            <a:r>
-              <a:rPr lang="en-US" sz="2400" dirty="0">
-                <a:cs typeface="Calibri" panose="020F0502020204030204" pitchFamily="34" charset="0"/>
-              </a:rPr>
-              <a:t>Data source "</a:t>
-            </a:r>
-            <a:r>
-              <a:rPr lang="en-US" sz="2400" dirty="0" err="1">
-                <a:cs typeface="Calibri" panose="020F0502020204030204" pitchFamily="34" charset="0"/>
-              </a:rPr>
-              <a:t>Kaggle.com</a:t>
-            </a:r>
-            <a:r>
-              <a:rPr lang="en-US" sz="2400" dirty="0">
-                <a:cs typeface="Calibri" panose="020F0502020204030204" pitchFamily="34" charset="0"/>
-              </a:rPr>
-              <a:t>" </a:t>
-            </a:r>
-            <a:r>
-              <a:rPr lang="en-US" sz="2400" u="sng" dirty="0">
-                <a:cs typeface="Calibri" panose="020F0502020204030204" pitchFamily="34" charset="0"/>
-              </a:rPr>
-              <a:t>https://</a:t>
-            </a:r>
-            <a:r>
-              <a:rPr lang="en-US" sz="2400" u="sng" dirty="0" err="1">
-                <a:cs typeface="Calibri" panose="020F0502020204030204" pitchFamily="34" charset="0"/>
-              </a:rPr>
-              <a:t>www.kaggle.com</a:t>
-            </a:r>
-            <a:r>
-              <a:rPr lang="en-US" sz="2400" u="sng" dirty="0">
-                <a:cs typeface="Calibri" panose="020F0502020204030204" pitchFamily="34" charset="0"/>
-              </a:rPr>
-              <a:t>/sl6149/data-scientist-job-market-in-the-us</a:t>
-            </a:r>
-          </a:p>
-          <a:p>
             <a:endParaRPr lang="en-US" sz="2400" dirty="0">
+              <a:latin typeface="+mj-lt"/>
               <a:cs typeface="Calibri" panose="020F0502020204030204" pitchFamily="34" charset="0"/>
             </a:endParaRPr>
           </a:p>
           <a:p>
+            <a:pPr algn="ctr"/>
             <a:endParaRPr lang="en-US" dirty="0"/>
           </a:p>
         </p:txBody>
@@ -5074,7 +5047,7 @@
           <a:p>
             <a:r>
               <a:rPr lang="en-US" dirty="0"/>
-              <a:t>Project Summary</a:t>
+              <a:t>Project Concept</a:t>
             </a:r>
           </a:p>
         </p:txBody>
@@ -5098,12 +5071,12 @@
         <p:spPr>
           <a:xfrm>
             <a:off x="1069848" y="2320412"/>
-            <a:ext cx="10058400" cy="3851787"/>
+            <a:ext cx="10058400" cy="4336866"/>
           </a:xfrm>
         </p:spPr>
         <p:txBody>
           <a:bodyPr>
-            <a:normAutofit fontScale="92500" lnSpcReduction="10000"/>
+            <a:normAutofit lnSpcReduction="10000"/>
           </a:bodyPr>
           <a:lstStyle/>
           <a:p>
@@ -5120,7 +5093,7 @@
             <a:pPr lvl="1"/>
             <a:r>
               <a:rPr lang="en-US" dirty="0"/>
-              <a:t>To build a comprehensive and interactive resource for job seekers in the data science and analytics domain. </a:t>
+              <a:t>To build a comprehensive and interactive resource for job seekers in the data science and analytics domain</a:t>
             </a:r>
           </a:p>
           <a:p>
@@ -5153,40 +5126,83 @@
           <a:p>
             <a:r>
               <a:rPr lang="en-US" b="1" dirty="0"/>
-              <a:t>Approach</a:t>
-            </a:r>
+              <a:t>Data :</a:t>
+            </a:r>
+            <a:endParaRPr lang="en-US" dirty="0"/>
+          </a:p>
+          <a:p>
+            <a:pPr lvl="1"/>
             <a:r>
               <a:rPr lang="en-US" dirty="0"/>
-              <a:t> :</a:t>
+              <a:t>Data is drawn from 2 sources </a:t>
             </a:r>
           </a:p>
           <a:p>
             <a:pPr lvl="1"/>
             <a:r>
               <a:rPr lang="en-US" dirty="0"/>
-              <a:t>Data search: We have used a data source from Kaggle which is a compilation of 7,000 data scientist jobs, web scrapped from indeed website  in August 2018</a:t>
-            </a:r>
+              <a:t>Kaggle which is a compilation of 7,000 data scientist jobs, web scrapped from indeed website  in August 2018 </a:t>
+            </a:r>
+            <a:r>
+              <a:rPr lang="en-US" dirty="0">
+                <a:cs typeface="Calibri" panose="020F0502020204030204" pitchFamily="34" charset="0"/>
+              </a:rPr>
+              <a:t> ("</a:t>
+            </a:r>
+            <a:r>
+              <a:rPr lang="en-US" dirty="0" err="1">
+                <a:cs typeface="Calibri" panose="020F0502020204030204" pitchFamily="34" charset="0"/>
+              </a:rPr>
+              <a:t>Kaggle.com</a:t>
+            </a:r>
+            <a:r>
+              <a:rPr lang="en-US" dirty="0">
+                <a:cs typeface="Calibri" panose="020F0502020204030204" pitchFamily="34" charset="0"/>
+              </a:rPr>
+              <a:t>" </a:t>
+            </a:r>
+            <a:r>
+              <a:rPr lang="en-US" u="sng" dirty="0">
+                <a:cs typeface="Calibri" panose="020F0502020204030204" pitchFamily="34" charset="0"/>
+              </a:rPr>
+              <a:t>https://</a:t>
+            </a:r>
+            <a:r>
+              <a:rPr lang="en-US" u="sng" dirty="0" err="1">
+                <a:cs typeface="Calibri" panose="020F0502020204030204" pitchFamily="34" charset="0"/>
+              </a:rPr>
+              <a:t>www.kaggle.com</a:t>
+            </a:r>
+            <a:r>
+              <a:rPr lang="en-US" u="sng" dirty="0">
+                <a:cs typeface="Calibri" panose="020F0502020204030204" pitchFamily="34" charset="0"/>
+              </a:rPr>
+              <a:t>/sl6149/data-scientist-job-market-in-the-us)</a:t>
+            </a:r>
+            <a:endParaRPr lang="en-US" dirty="0"/>
           </a:p>
           <a:p>
             <a:pPr lvl="1"/>
             <a:r>
               <a:rPr lang="en-US" dirty="0"/>
-              <a:t>Creating a Mongo DB</a:t>
+              <a:t>Web scrapping from Glassdoor website supplements the Kaggle data with more recent postings and additional information on salary ranges (“</a:t>
+            </a:r>
+            <a:r>
+              <a:rPr lang="en-US" dirty="0" err="1"/>
+              <a:t>Glassdoor.com</a:t>
+            </a:r>
+            <a:r>
+              <a:rPr lang="en-US" dirty="0"/>
+              <a:t>”)</a:t>
             </a:r>
           </a:p>
           <a:p>
             <a:pPr lvl="1"/>
-            <a:r>
-              <a:rPr lang="en-US" dirty="0"/>
-              <a:t>Rendering the data </a:t>
-            </a:r>
+            <a:endParaRPr lang="en-US" dirty="0"/>
           </a:p>
           <a:p>
             <a:pPr lvl="1"/>
-            <a:r>
-              <a:rPr lang="en-US" dirty="0"/>
-              <a:t>Building the interactive webpage  </a:t>
-            </a:r>
+            <a:endParaRPr lang="en-US" dirty="0"/>
           </a:p>
         </p:txBody>
       </p:sp>
@@ -5460,7 +5476,7 @@
         </p:nvSpPr>
         <p:spPr>
           <a:xfrm>
-            <a:off x="1069848" y="484632"/>
+            <a:off x="995565" y="527161"/>
             <a:ext cx="10058400" cy="1609344"/>
           </a:xfrm>
         </p:spPr>
@@ -5472,39 +5488,988 @@
           <a:p>
             <a:r>
               <a:rPr lang="en-US" dirty="0"/>
-              <a:t>Data Setup &amp; Clean Up</a:t>
-            </a:r>
-          </a:p>
-        </p:txBody>
-      </p:sp>
-      <p:sp>
-        <p:nvSpPr>
-          <p:cNvPr id="3" name="Content Placeholder 2">
+              <a:t>Approach</a:t>
+            </a:r>
+          </a:p>
+        </p:txBody>
+      </p:sp>
+      <p:sp>
+        <p:nvSpPr>
+          <p:cNvPr id="7" name="Right Arrow 6">
             <a:extLst>
               <a:ext uri="{FF2B5EF4-FFF2-40B4-BE49-F238E27FC236}">
-                <a16:creationId xmlns:a16="http://schemas.microsoft.com/office/drawing/2014/main" id="{E86EB1D2-1E85-D445-852A-30065759AF39}"/>
+                <a16:creationId xmlns:a16="http://schemas.microsoft.com/office/drawing/2014/main" id="{DDE010B5-1EC2-714A-9D95-419E9DB97B96}"/>
               </a:ext>
             </a:extLst>
           </p:cNvPr>
-          <p:cNvSpPr>
-            <a:spLocks noGrp="1"/>
-          </p:cNvSpPr>
-          <p:nvPr>
-            <p:ph sz="quarter" idx="13"/>
-          </p:nvPr>
-        </p:nvSpPr>
-        <p:spPr>
-          <a:xfrm>
-            <a:off x="1069848" y="2320412"/>
-            <a:ext cx="10058400" cy="3851787"/>
-          </a:xfrm>
-        </p:spPr>
-        <p:txBody>
-          <a:bodyPr>
-            <a:normAutofit/>
-          </a:bodyPr>
+          <p:cNvSpPr/>
+          <p:nvPr/>
+        </p:nvSpPr>
+        <p:spPr>
+          <a:xfrm>
+            <a:off x="2384819" y="2632215"/>
+            <a:ext cx="518271" cy="242577"/>
+          </a:xfrm>
+          <a:prstGeom prst="rightArrow">
+            <a:avLst/>
+          </a:prstGeom>
+          <a:solidFill>
+            <a:schemeClr val="bg1"/>
+          </a:solidFill>
+        </p:spPr>
+        <p:style>
+          <a:lnRef idx="2">
+            <a:schemeClr val="accent1">
+              <a:shade val="50000"/>
+            </a:schemeClr>
+          </a:lnRef>
+          <a:fillRef idx="1">
+            <a:schemeClr val="accent1"/>
+          </a:fillRef>
+          <a:effectRef idx="0">
+            <a:schemeClr val="accent1"/>
+          </a:effectRef>
+          <a:fontRef idx="minor">
+            <a:schemeClr val="lt1"/>
+          </a:fontRef>
+        </p:style>
+        <p:txBody>
+          <a:bodyPr rtlCol="0" anchor="ctr"/>
           <a:lstStyle/>
           <a:p>
+            <a:pPr algn="ctr"/>
+            <a:endParaRPr lang="en-US"/>
+          </a:p>
+        </p:txBody>
+      </p:sp>
+      <p:sp>
+        <p:nvSpPr>
+          <p:cNvPr id="9" name="Rectangle 8">
+            <a:extLst>
+              <a:ext uri="{FF2B5EF4-FFF2-40B4-BE49-F238E27FC236}">
+                <a16:creationId xmlns:a16="http://schemas.microsoft.com/office/drawing/2014/main" id="{8B19BF4D-4960-D040-94D8-4953A4CBB029}"/>
+              </a:ext>
+            </a:extLst>
+          </p:cNvPr>
+          <p:cNvSpPr/>
+          <p:nvPr/>
+        </p:nvSpPr>
+        <p:spPr>
+          <a:xfrm>
+            <a:off x="1405047" y="2290069"/>
+            <a:ext cx="914400" cy="914400"/>
+          </a:xfrm>
+          <a:prstGeom prst="rect">
+            <a:avLst/>
+          </a:prstGeom>
+        </p:spPr>
+        <p:style>
+          <a:lnRef idx="2">
+            <a:schemeClr val="accent1">
+              <a:shade val="50000"/>
+            </a:schemeClr>
+          </a:lnRef>
+          <a:fillRef idx="1">
+            <a:schemeClr val="accent1"/>
+          </a:fillRef>
+          <a:effectRef idx="0">
+            <a:schemeClr val="accent1"/>
+          </a:effectRef>
+          <a:fontRef idx="minor">
+            <a:schemeClr val="lt1"/>
+          </a:fontRef>
+        </p:style>
+        <p:txBody>
+          <a:bodyPr rtlCol="0" anchor="ctr"/>
+          <a:lstStyle/>
+          <a:p>
+            <a:pPr algn="ctr"/>
+            <a:r>
+              <a:rPr lang="en-US" sz="1000" dirty="0"/>
+              <a:t>Kaggle CSV Formatting and Clean up </a:t>
+            </a:r>
+          </a:p>
+          <a:p>
+            <a:pPr algn="ctr"/>
+            <a:endParaRPr lang="en-US" sz="1000" dirty="0"/>
+          </a:p>
+        </p:txBody>
+      </p:sp>
+      <p:sp>
+        <p:nvSpPr>
+          <p:cNvPr id="13" name="Rectangle 12">
+            <a:extLst>
+              <a:ext uri="{FF2B5EF4-FFF2-40B4-BE49-F238E27FC236}">
+                <a16:creationId xmlns:a16="http://schemas.microsoft.com/office/drawing/2014/main" id="{036575DD-142A-4342-AD68-5B674BC780D0}"/>
+              </a:ext>
+            </a:extLst>
+          </p:cNvPr>
+          <p:cNvSpPr/>
+          <p:nvPr/>
+        </p:nvSpPr>
+        <p:spPr>
+          <a:xfrm>
+            <a:off x="2951472" y="2316440"/>
+            <a:ext cx="914400" cy="914400"/>
+          </a:xfrm>
+          <a:prstGeom prst="rect">
+            <a:avLst/>
+          </a:prstGeom>
+        </p:spPr>
+        <p:style>
+          <a:lnRef idx="2">
+            <a:schemeClr val="accent1">
+              <a:shade val="50000"/>
+            </a:schemeClr>
+          </a:lnRef>
+          <a:fillRef idx="1">
+            <a:schemeClr val="accent1"/>
+          </a:fillRef>
+          <a:effectRef idx="0">
+            <a:schemeClr val="accent1"/>
+          </a:effectRef>
+          <a:fontRef idx="minor">
+            <a:schemeClr val="lt1"/>
+          </a:fontRef>
+        </p:style>
+        <p:txBody>
+          <a:bodyPr rtlCol="0" anchor="ctr"/>
+          <a:lstStyle/>
+          <a:p>
+            <a:pPr algn="ctr"/>
+            <a:r>
+              <a:rPr lang="en-US" sz="1000" dirty="0"/>
+              <a:t>Web-scrapping for additional data</a:t>
+            </a:r>
+          </a:p>
+          <a:p>
+            <a:pPr algn="ctr"/>
+            <a:endParaRPr lang="en-US" sz="1000" dirty="0"/>
+          </a:p>
+        </p:txBody>
+      </p:sp>
+      <p:sp>
+        <p:nvSpPr>
+          <p:cNvPr id="14" name="Right Arrow 13">
+            <a:extLst>
+              <a:ext uri="{FF2B5EF4-FFF2-40B4-BE49-F238E27FC236}">
+                <a16:creationId xmlns:a16="http://schemas.microsoft.com/office/drawing/2014/main" id="{3252F759-9581-1545-9574-42D32D7E86F5}"/>
+              </a:ext>
+            </a:extLst>
+          </p:cNvPr>
+          <p:cNvSpPr/>
+          <p:nvPr/>
+        </p:nvSpPr>
+        <p:spPr>
+          <a:xfrm>
+            <a:off x="3941276" y="2632215"/>
+            <a:ext cx="414913" cy="231163"/>
+          </a:xfrm>
+          <a:prstGeom prst="rightArrow">
+            <a:avLst/>
+          </a:prstGeom>
+          <a:solidFill>
+            <a:schemeClr val="bg1"/>
+          </a:solidFill>
+        </p:spPr>
+        <p:style>
+          <a:lnRef idx="2">
+            <a:schemeClr val="accent1">
+              <a:shade val="50000"/>
+            </a:schemeClr>
+          </a:lnRef>
+          <a:fillRef idx="1">
+            <a:schemeClr val="accent1"/>
+          </a:fillRef>
+          <a:effectRef idx="0">
+            <a:schemeClr val="accent1"/>
+          </a:effectRef>
+          <a:fontRef idx="minor">
+            <a:schemeClr val="lt1"/>
+          </a:fontRef>
+        </p:style>
+        <p:txBody>
+          <a:bodyPr rtlCol="0" anchor="ctr"/>
+          <a:lstStyle/>
+          <a:p>
+            <a:pPr algn="ctr"/>
+            <a:endParaRPr lang="en-US"/>
+          </a:p>
+        </p:txBody>
+      </p:sp>
+      <p:sp>
+        <p:nvSpPr>
+          <p:cNvPr id="15" name="Rectangle 14">
+            <a:extLst>
+              <a:ext uri="{FF2B5EF4-FFF2-40B4-BE49-F238E27FC236}">
+                <a16:creationId xmlns:a16="http://schemas.microsoft.com/office/drawing/2014/main" id="{A134990E-8C30-A444-9075-39528B45C92C}"/>
+              </a:ext>
+            </a:extLst>
+          </p:cNvPr>
+          <p:cNvSpPr/>
+          <p:nvPr/>
+        </p:nvSpPr>
+        <p:spPr>
+          <a:xfrm>
+            <a:off x="4380380" y="2299758"/>
+            <a:ext cx="914400" cy="914400"/>
+          </a:xfrm>
+          <a:prstGeom prst="rect">
+            <a:avLst/>
+          </a:prstGeom>
+        </p:spPr>
+        <p:style>
+          <a:lnRef idx="2">
+            <a:schemeClr val="accent1">
+              <a:shade val="50000"/>
+            </a:schemeClr>
+          </a:lnRef>
+          <a:fillRef idx="1">
+            <a:schemeClr val="accent1"/>
+          </a:fillRef>
+          <a:effectRef idx="0">
+            <a:schemeClr val="accent1"/>
+          </a:effectRef>
+          <a:fontRef idx="minor">
+            <a:schemeClr val="lt1"/>
+          </a:fontRef>
+        </p:style>
+        <p:txBody>
+          <a:bodyPr rtlCol="0" anchor="ctr"/>
+          <a:lstStyle/>
+          <a:p>
+            <a:pPr algn="ctr"/>
+            <a:r>
+              <a:rPr lang="en-US" sz="1000" dirty="0"/>
+              <a:t>Data loading in </a:t>
+            </a:r>
+            <a:r>
+              <a:rPr lang="en-US" sz="1000" dirty="0" err="1"/>
+              <a:t>Jupyter</a:t>
+            </a:r>
+            <a:r>
+              <a:rPr lang="en-US" sz="1000" dirty="0"/>
+              <a:t> Notebook</a:t>
+            </a:r>
+          </a:p>
+          <a:p>
+            <a:pPr algn="ctr"/>
+            <a:endParaRPr lang="en-US" sz="1000" dirty="0"/>
+          </a:p>
+        </p:txBody>
+      </p:sp>
+      <p:sp>
+        <p:nvSpPr>
+          <p:cNvPr id="16" name="Right Arrow 15">
+            <a:extLst>
+              <a:ext uri="{FF2B5EF4-FFF2-40B4-BE49-F238E27FC236}">
+                <a16:creationId xmlns:a16="http://schemas.microsoft.com/office/drawing/2014/main" id="{B61CA3C4-DD81-F54E-9B89-220608ACDF2B}"/>
+              </a:ext>
+            </a:extLst>
+          </p:cNvPr>
+          <p:cNvSpPr/>
+          <p:nvPr/>
+        </p:nvSpPr>
+        <p:spPr>
+          <a:xfrm>
+            <a:off x="5382824" y="2632215"/>
+            <a:ext cx="437696" cy="242577"/>
+          </a:xfrm>
+          <a:prstGeom prst="rightArrow">
+            <a:avLst/>
+          </a:prstGeom>
+          <a:solidFill>
+            <a:schemeClr val="bg1"/>
+          </a:solidFill>
+        </p:spPr>
+        <p:style>
+          <a:lnRef idx="2">
+            <a:schemeClr val="accent1">
+              <a:shade val="50000"/>
+            </a:schemeClr>
+          </a:lnRef>
+          <a:fillRef idx="1">
+            <a:schemeClr val="accent1"/>
+          </a:fillRef>
+          <a:effectRef idx="0">
+            <a:schemeClr val="accent1"/>
+          </a:effectRef>
+          <a:fontRef idx="minor">
+            <a:schemeClr val="lt1"/>
+          </a:fontRef>
+        </p:style>
+        <p:txBody>
+          <a:bodyPr rtlCol="0" anchor="ctr"/>
+          <a:lstStyle/>
+          <a:p>
+            <a:pPr algn="ctr"/>
+            <a:endParaRPr lang="en-US"/>
+          </a:p>
+        </p:txBody>
+      </p:sp>
+      <p:sp>
+        <p:nvSpPr>
+          <p:cNvPr id="17" name="Rectangle 16">
+            <a:extLst>
+              <a:ext uri="{FF2B5EF4-FFF2-40B4-BE49-F238E27FC236}">
+                <a16:creationId xmlns:a16="http://schemas.microsoft.com/office/drawing/2014/main" id="{C05CF4DD-4EF7-1647-B1BB-231C1581D74C}"/>
+              </a:ext>
+            </a:extLst>
+          </p:cNvPr>
+          <p:cNvSpPr/>
+          <p:nvPr/>
+        </p:nvSpPr>
+        <p:spPr>
+          <a:xfrm>
+            <a:off x="7424614" y="2305290"/>
+            <a:ext cx="914400" cy="914400"/>
+          </a:xfrm>
+          <a:prstGeom prst="rect">
+            <a:avLst/>
+          </a:prstGeom>
+        </p:spPr>
+        <p:style>
+          <a:lnRef idx="2">
+            <a:schemeClr val="accent1">
+              <a:shade val="50000"/>
+            </a:schemeClr>
+          </a:lnRef>
+          <a:fillRef idx="1">
+            <a:schemeClr val="accent1"/>
+          </a:fillRef>
+          <a:effectRef idx="0">
+            <a:schemeClr val="accent1"/>
+          </a:effectRef>
+          <a:fontRef idx="minor">
+            <a:schemeClr val="lt1"/>
+          </a:fontRef>
+        </p:style>
+        <p:txBody>
+          <a:bodyPr rtlCol="0" anchor="ctr"/>
+          <a:lstStyle/>
+          <a:p>
+            <a:pPr algn="ctr"/>
+            <a:r>
+              <a:rPr lang="en-US" sz="1000" dirty="0"/>
+              <a:t>Creating </a:t>
+            </a:r>
+            <a:r>
+              <a:rPr lang="en-US" sz="1000" dirty="0" err="1"/>
+              <a:t>App.py</a:t>
+            </a:r>
+            <a:endParaRPr lang="en-US" sz="1000" dirty="0"/>
+          </a:p>
+          <a:p>
+            <a:pPr algn="ctr"/>
+            <a:endParaRPr lang="en-US" sz="1000" dirty="0"/>
+          </a:p>
+        </p:txBody>
+      </p:sp>
+      <p:sp>
+        <p:nvSpPr>
+          <p:cNvPr id="18" name="Down Arrow 17">
+            <a:extLst>
+              <a:ext uri="{FF2B5EF4-FFF2-40B4-BE49-F238E27FC236}">
+                <a16:creationId xmlns:a16="http://schemas.microsoft.com/office/drawing/2014/main" id="{59B6271A-E7CA-ED4B-8DFC-9C781C431541}"/>
+              </a:ext>
+            </a:extLst>
+          </p:cNvPr>
+          <p:cNvSpPr/>
+          <p:nvPr/>
+        </p:nvSpPr>
+        <p:spPr>
+          <a:xfrm>
+            <a:off x="9370892" y="3261775"/>
+            <a:ext cx="196847" cy="473884"/>
+          </a:xfrm>
+          <a:prstGeom prst="downArrow">
+            <a:avLst/>
+          </a:prstGeom>
+          <a:solidFill>
+            <a:schemeClr val="bg1"/>
+          </a:solidFill>
+        </p:spPr>
+        <p:style>
+          <a:lnRef idx="2">
+            <a:schemeClr val="accent1">
+              <a:shade val="50000"/>
+            </a:schemeClr>
+          </a:lnRef>
+          <a:fillRef idx="1">
+            <a:schemeClr val="accent1"/>
+          </a:fillRef>
+          <a:effectRef idx="0">
+            <a:schemeClr val="accent1"/>
+          </a:effectRef>
+          <a:fontRef idx="minor">
+            <a:schemeClr val="lt1"/>
+          </a:fontRef>
+        </p:style>
+        <p:txBody>
+          <a:bodyPr rtlCol="0" anchor="ctr"/>
+          <a:lstStyle/>
+          <a:p>
+            <a:pPr algn="ctr"/>
+            <a:endParaRPr lang="en-US"/>
+          </a:p>
+        </p:txBody>
+      </p:sp>
+      <p:sp>
+        <p:nvSpPr>
+          <p:cNvPr id="19" name="Rectangle 18">
+            <a:extLst>
+              <a:ext uri="{FF2B5EF4-FFF2-40B4-BE49-F238E27FC236}">
+                <a16:creationId xmlns:a16="http://schemas.microsoft.com/office/drawing/2014/main" id="{32A87D18-4EF7-C745-8C87-9769A7301890}"/>
+              </a:ext>
+            </a:extLst>
+          </p:cNvPr>
+          <p:cNvSpPr/>
+          <p:nvPr/>
+        </p:nvSpPr>
+        <p:spPr>
+          <a:xfrm>
+            <a:off x="9014053" y="3777744"/>
+            <a:ext cx="914400" cy="914400"/>
+          </a:xfrm>
+          <a:prstGeom prst="rect">
+            <a:avLst/>
+          </a:prstGeom>
+        </p:spPr>
+        <p:style>
+          <a:lnRef idx="2">
+            <a:schemeClr val="accent1">
+              <a:shade val="50000"/>
+            </a:schemeClr>
+          </a:lnRef>
+          <a:fillRef idx="1">
+            <a:schemeClr val="accent1"/>
+          </a:fillRef>
+          <a:effectRef idx="0">
+            <a:schemeClr val="accent1"/>
+          </a:effectRef>
+          <a:fontRef idx="minor">
+            <a:schemeClr val="lt1"/>
+          </a:fontRef>
+        </p:style>
+        <p:txBody>
+          <a:bodyPr rtlCol="0" anchor="ctr"/>
+          <a:lstStyle/>
+          <a:p>
+            <a:pPr algn="ctr"/>
+            <a:r>
+              <a:rPr lang="en-US" sz="900" dirty="0"/>
+              <a:t>Visualizations</a:t>
+            </a:r>
+          </a:p>
+          <a:p>
+            <a:pPr algn="ctr"/>
+            <a:endParaRPr lang="en-US" sz="1000" dirty="0"/>
+          </a:p>
+        </p:txBody>
+      </p:sp>
+      <p:sp>
+        <p:nvSpPr>
+          <p:cNvPr id="20" name="Rectangle 19">
+            <a:extLst>
+              <a:ext uri="{FF2B5EF4-FFF2-40B4-BE49-F238E27FC236}">
+                <a16:creationId xmlns:a16="http://schemas.microsoft.com/office/drawing/2014/main" id="{1F6A1D38-5B98-9E48-A846-86CAC539BC88}"/>
+              </a:ext>
+            </a:extLst>
+          </p:cNvPr>
+          <p:cNvSpPr/>
+          <p:nvPr/>
+        </p:nvSpPr>
+        <p:spPr>
+          <a:xfrm>
+            <a:off x="9014053" y="2305290"/>
+            <a:ext cx="914400" cy="914400"/>
+          </a:xfrm>
+          <a:prstGeom prst="rect">
+            <a:avLst/>
+          </a:prstGeom>
+        </p:spPr>
+        <p:style>
+          <a:lnRef idx="2">
+            <a:schemeClr val="accent1">
+              <a:shade val="50000"/>
+            </a:schemeClr>
+          </a:lnRef>
+          <a:fillRef idx="1">
+            <a:schemeClr val="accent1"/>
+          </a:fillRef>
+          <a:effectRef idx="0">
+            <a:schemeClr val="accent1"/>
+          </a:effectRef>
+          <a:fontRef idx="minor">
+            <a:schemeClr val="lt1"/>
+          </a:fontRef>
+        </p:style>
+        <p:txBody>
+          <a:bodyPr rtlCol="0" anchor="ctr"/>
+          <a:lstStyle/>
+          <a:p>
+            <a:pPr algn="ctr"/>
+            <a:r>
+              <a:rPr lang="en-US" sz="1000" dirty="0"/>
+              <a:t>Creating </a:t>
+            </a:r>
+            <a:r>
+              <a:rPr lang="en-US" sz="1000" dirty="0" err="1"/>
+              <a:t>Index.html</a:t>
+            </a:r>
+            <a:endParaRPr lang="en-US" sz="1000" dirty="0"/>
+          </a:p>
+          <a:p>
+            <a:pPr algn="ctr"/>
+            <a:endParaRPr lang="en-US" sz="1000" dirty="0"/>
+          </a:p>
+        </p:txBody>
+      </p:sp>
+      <p:sp>
+        <p:nvSpPr>
+          <p:cNvPr id="21" name="Right Arrow 20">
+            <a:extLst>
+              <a:ext uri="{FF2B5EF4-FFF2-40B4-BE49-F238E27FC236}">
+                <a16:creationId xmlns:a16="http://schemas.microsoft.com/office/drawing/2014/main" id="{6CAF4334-D408-584F-A9E2-90C6AE950B88}"/>
+              </a:ext>
+            </a:extLst>
+          </p:cNvPr>
+          <p:cNvSpPr/>
+          <p:nvPr/>
+        </p:nvSpPr>
+        <p:spPr>
+          <a:xfrm>
+            <a:off x="8404860" y="2651505"/>
+            <a:ext cx="560812" cy="211874"/>
+          </a:xfrm>
+          <a:prstGeom prst="rightArrow">
+            <a:avLst/>
+          </a:prstGeom>
+          <a:solidFill>
+            <a:schemeClr val="bg1"/>
+          </a:solidFill>
+        </p:spPr>
+        <p:style>
+          <a:lnRef idx="2">
+            <a:schemeClr val="accent1">
+              <a:shade val="50000"/>
+            </a:schemeClr>
+          </a:lnRef>
+          <a:fillRef idx="1">
+            <a:schemeClr val="accent1"/>
+          </a:fillRef>
+          <a:effectRef idx="0">
+            <a:schemeClr val="accent1"/>
+          </a:effectRef>
+          <a:fontRef idx="minor">
+            <a:schemeClr val="lt1"/>
+          </a:fontRef>
+        </p:style>
+        <p:txBody>
+          <a:bodyPr rtlCol="0" anchor="ctr"/>
+          <a:lstStyle/>
+          <a:p>
+            <a:pPr algn="ctr"/>
+            <a:endParaRPr lang="en-US"/>
+          </a:p>
+        </p:txBody>
+      </p:sp>
+      <p:sp>
+        <p:nvSpPr>
+          <p:cNvPr id="22" name="Rectangle 21">
+            <a:extLst>
+              <a:ext uri="{FF2B5EF4-FFF2-40B4-BE49-F238E27FC236}">
+                <a16:creationId xmlns:a16="http://schemas.microsoft.com/office/drawing/2014/main" id="{62A14211-A57E-FD40-BDB7-63E7F1C5DFC3}"/>
+              </a:ext>
+            </a:extLst>
+          </p:cNvPr>
+          <p:cNvSpPr/>
+          <p:nvPr/>
+        </p:nvSpPr>
+        <p:spPr>
+          <a:xfrm>
+            <a:off x="10283014" y="5345665"/>
+            <a:ext cx="914400" cy="914400"/>
+          </a:xfrm>
+          <a:prstGeom prst="rect">
+            <a:avLst/>
+          </a:prstGeom>
+        </p:spPr>
+        <p:style>
+          <a:lnRef idx="2">
+            <a:schemeClr val="accent1">
+              <a:shade val="50000"/>
+            </a:schemeClr>
+          </a:lnRef>
+          <a:fillRef idx="1">
+            <a:schemeClr val="accent1"/>
+          </a:fillRef>
+          <a:effectRef idx="0">
+            <a:schemeClr val="accent1"/>
+          </a:effectRef>
+          <a:fontRef idx="minor">
+            <a:schemeClr val="lt1"/>
+          </a:fontRef>
+        </p:style>
+        <p:txBody>
+          <a:bodyPr rtlCol="0" anchor="ctr"/>
+          <a:lstStyle/>
+          <a:p>
+            <a:pPr algn="ctr"/>
+            <a:r>
+              <a:rPr lang="en-US" sz="1000" dirty="0" err="1"/>
+              <a:t>Maps.js</a:t>
+            </a:r>
+            <a:endParaRPr lang="en-US" sz="1000" dirty="0"/>
+          </a:p>
+        </p:txBody>
+      </p:sp>
+      <p:sp>
+        <p:nvSpPr>
+          <p:cNvPr id="23" name="Rectangle 22">
+            <a:extLst>
+              <a:ext uri="{FF2B5EF4-FFF2-40B4-BE49-F238E27FC236}">
+                <a16:creationId xmlns:a16="http://schemas.microsoft.com/office/drawing/2014/main" id="{533ABA93-B261-2148-A537-CF9BD4F38159}"/>
+              </a:ext>
+            </a:extLst>
+          </p:cNvPr>
+          <p:cNvSpPr/>
+          <p:nvPr/>
+        </p:nvSpPr>
+        <p:spPr>
+          <a:xfrm>
+            <a:off x="9026940" y="5345665"/>
+            <a:ext cx="914400" cy="914400"/>
+          </a:xfrm>
+          <a:prstGeom prst="rect">
+            <a:avLst/>
+          </a:prstGeom>
+        </p:spPr>
+        <p:style>
+          <a:lnRef idx="2">
+            <a:schemeClr val="accent1">
+              <a:shade val="50000"/>
+            </a:schemeClr>
+          </a:lnRef>
+          <a:fillRef idx="1">
+            <a:schemeClr val="accent1"/>
+          </a:fillRef>
+          <a:effectRef idx="0">
+            <a:schemeClr val="accent1"/>
+          </a:effectRef>
+          <a:fontRef idx="minor">
+            <a:schemeClr val="lt1"/>
+          </a:fontRef>
+        </p:style>
+        <p:txBody>
+          <a:bodyPr rtlCol="0" anchor="ctr"/>
+          <a:lstStyle/>
+          <a:p>
+            <a:pPr algn="ctr"/>
+            <a:r>
+              <a:rPr lang="en-US" sz="1000" dirty="0" err="1"/>
+              <a:t>Charts.js</a:t>
+            </a:r>
+            <a:endParaRPr lang="en-US" sz="1000" dirty="0"/>
+          </a:p>
+        </p:txBody>
+      </p:sp>
+      <p:sp>
+        <p:nvSpPr>
+          <p:cNvPr id="24" name="Rectangle 23">
+            <a:extLst>
+              <a:ext uri="{FF2B5EF4-FFF2-40B4-BE49-F238E27FC236}">
+                <a16:creationId xmlns:a16="http://schemas.microsoft.com/office/drawing/2014/main" id="{207A1B7F-B467-1C47-85EB-68B6FD2B786E}"/>
+              </a:ext>
+            </a:extLst>
+          </p:cNvPr>
+          <p:cNvSpPr/>
+          <p:nvPr/>
+        </p:nvSpPr>
+        <p:spPr>
+          <a:xfrm>
+            <a:off x="7770866" y="5345665"/>
+            <a:ext cx="914400" cy="914400"/>
+          </a:xfrm>
+          <a:prstGeom prst="rect">
+            <a:avLst/>
+          </a:prstGeom>
+        </p:spPr>
+        <p:style>
+          <a:lnRef idx="2">
+            <a:schemeClr val="accent1">
+              <a:shade val="50000"/>
+            </a:schemeClr>
+          </a:lnRef>
+          <a:fillRef idx="1">
+            <a:schemeClr val="accent1"/>
+          </a:fillRef>
+          <a:effectRef idx="0">
+            <a:schemeClr val="accent1"/>
+          </a:effectRef>
+          <a:fontRef idx="minor">
+            <a:schemeClr val="lt1"/>
+          </a:fontRef>
+        </p:style>
+        <p:txBody>
+          <a:bodyPr rtlCol="0" anchor="ctr"/>
+          <a:lstStyle/>
+          <a:p>
+            <a:pPr algn="ctr"/>
+            <a:r>
+              <a:rPr lang="en-US" sz="1000" dirty="0" err="1"/>
+              <a:t>Table.js</a:t>
+            </a:r>
+            <a:endParaRPr lang="en-US" sz="1000" dirty="0"/>
+          </a:p>
+        </p:txBody>
+      </p:sp>
+      <p:sp>
+        <p:nvSpPr>
+          <p:cNvPr id="26" name="Down Arrow 25">
+            <a:extLst>
+              <a:ext uri="{FF2B5EF4-FFF2-40B4-BE49-F238E27FC236}">
+                <a16:creationId xmlns:a16="http://schemas.microsoft.com/office/drawing/2014/main" id="{89ACBB55-134E-E04A-9F21-9569DCD6B14C}"/>
+              </a:ext>
+            </a:extLst>
+          </p:cNvPr>
+          <p:cNvSpPr/>
+          <p:nvPr/>
+        </p:nvSpPr>
+        <p:spPr>
+          <a:xfrm>
+            <a:off x="9370892" y="4762401"/>
+            <a:ext cx="209936" cy="539490"/>
+          </a:xfrm>
+          <a:prstGeom prst="downArrow">
+            <a:avLst/>
+          </a:prstGeom>
+          <a:solidFill>
+            <a:schemeClr val="bg1"/>
+          </a:solidFill>
+        </p:spPr>
+        <p:style>
+          <a:lnRef idx="2">
+            <a:schemeClr val="accent1">
+              <a:shade val="50000"/>
+            </a:schemeClr>
+          </a:lnRef>
+          <a:fillRef idx="1">
+            <a:schemeClr val="accent1"/>
+          </a:fillRef>
+          <a:effectRef idx="0">
+            <a:schemeClr val="accent1"/>
+          </a:effectRef>
+          <a:fontRef idx="minor">
+            <a:schemeClr val="lt1"/>
+          </a:fontRef>
+        </p:style>
+        <p:txBody>
+          <a:bodyPr rtlCol="0" anchor="ctr"/>
+          <a:lstStyle/>
+          <a:p>
+            <a:pPr algn="ctr"/>
+            <a:endParaRPr lang="en-US"/>
+          </a:p>
+        </p:txBody>
+      </p:sp>
+      <p:sp>
+        <p:nvSpPr>
+          <p:cNvPr id="31" name="Down Arrow 30">
+            <a:extLst>
+              <a:ext uri="{FF2B5EF4-FFF2-40B4-BE49-F238E27FC236}">
+                <a16:creationId xmlns:a16="http://schemas.microsoft.com/office/drawing/2014/main" id="{7D31B7E3-7AF7-F64A-B54B-1461B9C54B6F}"/>
+              </a:ext>
+            </a:extLst>
+          </p:cNvPr>
+          <p:cNvSpPr/>
+          <p:nvPr/>
+        </p:nvSpPr>
+        <p:spPr>
+          <a:xfrm rot="2185482">
+            <a:off x="8676202" y="4686498"/>
+            <a:ext cx="225344" cy="697297"/>
+          </a:xfrm>
+          <a:prstGeom prst="downArrow">
+            <a:avLst/>
+          </a:prstGeom>
+          <a:solidFill>
+            <a:schemeClr val="bg1"/>
+          </a:solidFill>
+        </p:spPr>
+        <p:style>
+          <a:lnRef idx="2">
+            <a:schemeClr val="accent1">
+              <a:shade val="50000"/>
+            </a:schemeClr>
+          </a:lnRef>
+          <a:fillRef idx="1">
+            <a:schemeClr val="accent1"/>
+          </a:fillRef>
+          <a:effectRef idx="0">
+            <a:schemeClr val="accent1"/>
+          </a:effectRef>
+          <a:fontRef idx="minor">
+            <a:schemeClr val="lt1"/>
+          </a:fontRef>
+        </p:style>
+        <p:txBody>
+          <a:bodyPr rtlCol="0" anchor="ctr"/>
+          <a:lstStyle/>
+          <a:p>
+            <a:pPr algn="ctr"/>
+            <a:endParaRPr lang="en-US"/>
+          </a:p>
+        </p:txBody>
+      </p:sp>
+      <p:sp>
+        <p:nvSpPr>
+          <p:cNvPr id="32" name="Down Arrow 31">
+            <a:extLst>
+              <a:ext uri="{FF2B5EF4-FFF2-40B4-BE49-F238E27FC236}">
+                <a16:creationId xmlns:a16="http://schemas.microsoft.com/office/drawing/2014/main" id="{7BDD8307-CE97-CC49-B659-C5453529E46D}"/>
+              </a:ext>
+            </a:extLst>
+          </p:cNvPr>
+          <p:cNvSpPr/>
+          <p:nvPr/>
+        </p:nvSpPr>
+        <p:spPr>
+          <a:xfrm rot="19455321">
+            <a:off x="10040640" y="4667230"/>
+            <a:ext cx="226568" cy="703350"/>
+          </a:xfrm>
+          <a:prstGeom prst="downArrow">
+            <a:avLst/>
+          </a:prstGeom>
+          <a:solidFill>
+            <a:schemeClr val="bg1"/>
+          </a:solidFill>
+        </p:spPr>
+        <p:style>
+          <a:lnRef idx="2">
+            <a:schemeClr val="accent1">
+              <a:shade val="50000"/>
+            </a:schemeClr>
+          </a:lnRef>
+          <a:fillRef idx="1">
+            <a:schemeClr val="accent1"/>
+          </a:fillRef>
+          <a:effectRef idx="0">
+            <a:schemeClr val="accent1"/>
+          </a:effectRef>
+          <a:fontRef idx="minor">
+            <a:schemeClr val="lt1"/>
+          </a:fontRef>
+        </p:style>
+        <p:txBody>
+          <a:bodyPr rtlCol="0" anchor="ctr"/>
+          <a:lstStyle/>
+          <a:p>
+            <a:pPr algn="ctr"/>
+            <a:endParaRPr lang="en-US"/>
+          </a:p>
+        </p:txBody>
+      </p:sp>
+      <p:sp>
+        <p:nvSpPr>
+          <p:cNvPr id="33" name="Rectangle 32">
+            <a:extLst>
+              <a:ext uri="{FF2B5EF4-FFF2-40B4-BE49-F238E27FC236}">
+                <a16:creationId xmlns:a16="http://schemas.microsoft.com/office/drawing/2014/main" id="{7DE7E6FC-3BA7-CD4C-A6D2-E2F6D54192A8}"/>
+              </a:ext>
+            </a:extLst>
+          </p:cNvPr>
+          <p:cNvSpPr/>
+          <p:nvPr/>
+        </p:nvSpPr>
+        <p:spPr>
+          <a:xfrm>
+            <a:off x="5898436" y="2299758"/>
+            <a:ext cx="914400" cy="914400"/>
+          </a:xfrm>
+          <a:prstGeom prst="rect">
+            <a:avLst/>
+          </a:prstGeom>
+        </p:spPr>
+        <p:style>
+          <a:lnRef idx="2">
+            <a:schemeClr val="accent1">
+              <a:shade val="50000"/>
+            </a:schemeClr>
+          </a:lnRef>
+          <a:fillRef idx="1">
+            <a:schemeClr val="accent1"/>
+          </a:fillRef>
+          <a:effectRef idx="0">
+            <a:schemeClr val="accent1"/>
+          </a:effectRef>
+          <a:fontRef idx="minor">
+            <a:schemeClr val="lt1"/>
+          </a:fontRef>
+        </p:style>
+        <p:txBody>
+          <a:bodyPr rtlCol="0" anchor="ctr"/>
+          <a:lstStyle/>
+          <a:p>
+            <a:pPr algn="ctr"/>
+            <a:r>
+              <a:rPr lang="en-US" sz="1000" dirty="0"/>
+              <a:t>Creating Database in </a:t>
+            </a:r>
+            <a:r>
+              <a:rPr lang="en-US" sz="1000" dirty="0" err="1"/>
+              <a:t>Mongo.db</a:t>
+            </a:r>
+            <a:endParaRPr lang="en-US" sz="1000" dirty="0"/>
+          </a:p>
+        </p:txBody>
+      </p:sp>
+      <p:sp>
+        <p:nvSpPr>
+          <p:cNvPr id="34" name="Right Arrow 33">
+            <a:extLst>
+              <a:ext uri="{FF2B5EF4-FFF2-40B4-BE49-F238E27FC236}">
+                <a16:creationId xmlns:a16="http://schemas.microsoft.com/office/drawing/2014/main" id="{97AF2D06-2528-BA4E-B861-AADE157E4DDF}"/>
+              </a:ext>
+            </a:extLst>
+          </p:cNvPr>
+          <p:cNvSpPr/>
+          <p:nvPr/>
+        </p:nvSpPr>
+        <p:spPr>
+          <a:xfrm>
+            <a:off x="6916798" y="2615566"/>
+            <a:ext cx="392541" cy="245327"/>
+          </a:xfrm>
+          <a:prstGeom prst="rightArrow">
+            <a:avLst/>
+          </a:prstGeom>
+          <a:solidFill>
+            <a:schemeClr val="bg1"/>
+          </a:solidFill>
+        </p:spPr>
+        <p:style>
+          <a:lnRef idx="2">
+            <a:schemeClr val="accent1">
+              <a:shade val="50000"/>
+            </a:schemeClr>
+          </a:lnRef>
+          <a:fillRef idx="1">
+            <a:schemeClr val="accent1"/>
+          </a:fillRef>
+          <a:effectRef idx="0">
+            <a:schemeClr val="accent1"/>
+          </a:effectRef>
+          <a:fontRef idx="minor">
+            <a:schemeClr val="lt1"/>
+          </a:fontRef>
+        </p:style>
+        <p:txBody>
+          <a:bodyPr rtlCol="0" anchor="ctr"/>
+          <a:lstStyle/>
+          <a:p>
+            <a:pPr algn="ctr"/>
             <a:endParaRPr lang="en-US"/>
           </a:p>
         </p:txBody>
@@ -5512,7 +6477,7 @@
     </p:spTree>
     <p:extLst>
       <p:ext uri="{BB962C8B-B14F-4D97-AF65-F5344CB8AC3E}">
-        <p14:creationId xmlns:p14="http://schemas.microsoft.com/office/powerpoint/2010/main" val="2545857174"/>
+        <p14:creationId xmlns:p14="http://schemas.microsoft.com/office/powerpoint/2010/main" val="2513973654"/>
       </p:ext>
     </p:extLst>
   </p:cSld>
@@ -5791,7 +6756,7 @@
           <a:p>
             <a:r>
               <a:rPr lang="en-US" dirty="0"/>
-              <a:t>Visualizations - Table</a:t>
+              <a:t>Data Setup &amp; Clean Up</a:t>
             </a:r>
           </a:p>
         </p:txBody>
@@ -5831,7 +6796,7 @@
     </p:spTree>
     <p:extLst>
       <p:ext uri="{BB962C8B-B14F-4D97-AF65-F5344CB8AC3E}">
-        <p14:creationId xmlns:p14="http://schemas.microsoft.com/office/powerpoint/2010/main" val="3982453335"/>
+        <p14:creationId xmlns:p14="http://schemas.microsoft.com/office/powerpoint/2010/main" val="2545857174"/>
       </p:ext>
     </p:extLst>
   </p:cSld>
@@ -6110,7 +7075,7 @@
           <a:p>
             <a:r>
               <a:rPr lang="en-US" dirty="0"/>
-              <a:t>Visualizations - Graphs</a:t>
+              <a:t>Visualizations - Table</a:t>
             </a:r>
           </a:p>
         </p:txBody>
@@ -6150,7 +7115,7 @@
     </p:spTree>
     <p:extLst>
       <p:ext uri="{BB962C8B-B14F-4D97-AF65-F5344CB8AC3E}">
-        <p14:creationId xmlns:p14="http://schemas.microsoft.com/office/powerpoint/2010/main" val="2030928021"/>
+        <p14:creationId xmlns:p14="http://schemas.microsoft.com/office/powerpoint/2010/main" val="3982453335"/>
       </p:ext>
     </p:extLst>
   </p:cSld>
@@ -6429,7 +7394,7 @@
           <a:p>
             <a:r>
               <a:rPr lang="en-US" dirty="0"/>
-              <a:t>Visualizations - Map</a:t>
+              <a:t>Visualizations - Graphs</a:t>
             </a:r>
           </a:p>
         </p:txBody>
@@ -6469,7 +7434,7 @@
     </p:spTree>
     <p:extLst>
       <p:ext uri="{BB962C8B-B14F-4D97-AF65-F5344CB8AC3E}">
-        <p14:creationId xmlns:p14="http://schemas.microsoft.com/office/powerpoint/2010/main" val="1828377960"/>
+        <p14:creationId xmlns:p14="http://schemas.microsoft.com/office/powerpoint/2010/main" val="2030928021"/>
       </p:ext>
     </p:extLst>
   </p:cSld>
@@ -6748,7 +7713,7 @@
           <a:p>
             <a:r>
               <a:rPr lang="en-US" dirty="0"/>
-              <a:t>Limitations</a:t>
+              <a:t>Visualizations - Map</a:t>
             </a:r>
           </a:p>
         </p:txBody>
@@ -6781,29 +7746,14 @@
           </a:bodyPr>
           <a:lstStyle/>
           <a:p>
-            <a:r>
-              <a:rPr lang="en-US" dirty="0"/>
-              <a:t>The data set is not recent or current </a:t>
-            </a:r>
-          </a:p>
-          <a:p>
-            <a:r>
-              <a:rPr lang="en-US" dirty="0"/>
-              <a:t>Limited information available </a:t>
-            </a:r>
-          </a:p>
-          <a:p>
-            <a:r>
-              <a:rPr lang="en-US" dirty="0"/>
-              <a:t>Additional information on education requirements, salaries, company ratings can make the resource more robust </a:t>
-            </a:r>
+            <a:endParaRPr lang="en-US"/>
           </a:p>
         </p:txBody>
       </p:sp>
     </p:spTree>
     <p:extLst>
       <p:ext uri="{BB962C8B-B14F-4D97-AF65-F5344CB8AC3E}">
-        <p14:creationId xmlns:p14="http://schemas.microsoft.com/office/powerpoint/2010/main" val="2014018421"/>
+        <p14:creationId xmlns:p14="http://schemas.microsoft.com/office/powerpoint/2010/main" val="1828377960"/>
       </p:ext>
     </p:extLst>
   </p:cSld>
@@ -7082,7 +8032,7 @@
           <a:p>
             <a:r>
               <a:rPr lang="en-US" dirty="0"/>
-              <a:t>Discussion</a:t>
+              <a:t>Summary</a:t>
             </a:r>
           </a:p>
         </p:txBody>
@@ -7115,14 +8065,14 @@
           </a:bodyPr>
           <a:lstStyle/>
           <a:p>
-            <a:endParaRPr lang="en-US"/>
+            <a:endParaRPr lang="en-US" dirty="0"/>
           </a:p>
         </p:txBody>
       </p:sp>
     </p:spTree>
     <p:extLst>
       <p:ext uri="{BB962C8B-B14F-4D97-AF65-F5344CB8AC3E}">
-        <p14:creationId xmlns:p14="http://schemas.microsoft.com/office/powerpoint/2010/main" val="438637"/>
+        <p14:creationId xmlns:p14="http://schemas.microsoft.com/office/powerpoint/2010/main" val="2014018421"/>
       </p:ext>
     </p:extLst>
   </p:cSld>
